--- a/Iris on GCP/IRIS WEBAPP.pptx
+++ b/Iris on GCP/IRIS WEBAPP.pptx
@@ -27,23 +27,24 @@
     <p:sldId id="272" r:id="rId22"/>
     <p:sldId id="273" r:id="rId23"/>
     <p:sldId id="274" r:id="rId24"/>
+    <p:sldId id="275" r:id="rId25"/>
   </p:sldIdLst>
   <p:sldSz cy="5143500" cx="9144000"/>
   <p:notesSz cx="6858000" cy="9144000"/>
   <p:embeddedFontLst>
     <p:embeddedFont>
       <p:font typeface="Raleway"/>
-      <p:regular r:id="rId25"/>
-      <p:bold r:id="rId26"/>
-      <p:italic r:id="rId27"/>
-      <p:boldItalic r:id="rId28"/>
+      <p:regular r:id="rId26"/>
+      <p:bold r:id="rId27"/>
+      <p:italic r:id="rId28"/>
+      <p:boldItalic r:id="rId29"/>
     </p:embeddedFont>
     <p:embeddedFont>
       <p:font typeface="Lato"/>
-      <p:regular r:id="rId29"/>
-      <p:bold r:id="rId30"/>
-      <p:italic r:id="rId31"/>
-      <p:boldItalic r:id="rId32"/>
+      <p:regular r:id="rId30"/>
+      <p:bold r:id="rId31"/>
+      <p:italic r:id="rId32"/>
+      <p:boldItalic r:id="rId33"/>
     </p:embeddedFont>
   </p:embeddedFontLst>
   <p:defaultTextStyle>
@@ -1630,7 +1631,7 @@
       </p:grpSpPr>
       <p:sp>
         <p:nvSpPr>
-          <p:cNvPr id="269" name="Google Shape;269;geb9aa4fe61_0_402:notes"/>
+          <p:cNvPr id="269" name="Google Shape;269;geb9aa4fe61_0_784:notes"/>
           <p:cNvSpPr/>
           <p:nvPr>
             <p:ph idx="2" type="sldImg"/>
@@ -1665,7 +1666,7 @@
       </p:sp>
       <p:sp>
         <p:nvSpPr>
-          <p:cNvPr id="270" name="Google Shape;270;geb9aa4fe61_0_402:notes"/>
+          <p:cNvPr id="270" name="Google Shape;270;geb9aa4fe61_0_784:notes"/>
           <p:cNvSpPr txBox="1"/>
           <p:nvPr>
             <p:ph idx="1" type="body"/>
@@ -1729,7 +1730,7 @@
       </p:grpSpPr>
       <p:sp>
         <p:nvSpPr>
-          <p:cNvPr id="276" name="Google Shape;276;geb9aa4fe61_0_299:notes"/>
+          <p:cNvPr id="276" name="Google Shape;276;geb9aa4fe61_0_402:notes"/>
           <p:cNvSpPr/>
           <p:nvPr>
             <p:ph idx="2" type="sldImg"/>
@@ -1764,7 +1765,7 @@
       </p:sp>
       <p:sp>
         <p:nvSpPr>
-          <p:cNvPr id="277" name="Google Shape;277;geb9aa4fe61_0_299:notes"/>
+          <p:cNvPr id="277" name="Google Shape;277;geb9aa4fe61_0_402:notes"/>
           <p:cNvSpPr txBox="1"/>
           <p:nvPr>
             <p:ph idx="1" type="body"/>
@@ -1864,6 +1865,105 @@
       <p:sp>
         <p:nvSpPr>
           <p:cNvPr id="97" name="Google Shape;97;geb9aa4fe61_0_77:notes"/>
+          <p:cNvSpPr txBox="1"/>
+          <p:nvPr>
+            <p:ph idx="1" type="body"/>
+          </p:nvPr>
+        </p:nvSpPr>
+        <p:spPr>
+          <a:xfrm>
+            <a:off x="685800" y="4343400"/>
+            <a:ext cx="5486400" cy="4114800"/>
+          </a:xfrm>
+          <a:prstGeom prst="rect">
+            <a:avLst/>
+          </a:prstGeom>
+        </p:spPr>
+        <p:txBody>
+          <a:bodyPr anchorCtr="0" anchor="t" bIns="91425" lIns="91425" spcFirstLastPara="1" rIns="91425" wrap="square" tIns="91425">
+            <a:noAutofit/>
+          </a:bodyPr>
+          <a:lstStyle/>
+          <a:p>
+            <a:pPr indent="0" lvl="0" marL="0" rtl="0" algn="l">
+              <a:spcBef>
+                <a:spcPts val="0"/>
+              </a:spcBef>
+              <a:spcAft>
+                <a:spcPts val="0"/>
+              </a:spcAft>
+              <a:buNone/>
+            </a:pPr>
+            <a:r>
+              <a:t/>
+            </a:r>
+            <a:endParaRPr/>
+          </a:p>
+        </p:txBody>
+      </p:sp>
+    </p:spTree>
+  </p:cSld>
+  <p:clrMapOvr>
+    <a:masterClrMapping/>
+  </p:clrMapOvr>
+</p:notes>
+</file>
+
+<file path=ppt/notesSlides/notesSlide20.xml><?xml version="1.0" encoding="utf-8"?>
+<p:notes xmlns:a="http://schemas.openxmlformats.org/drawingml/2006/main" xmlns:r="http://schemas.openxmlformats.org/officeDocument/2006/relationships" xmlns:mc="http://schemas.openxmlformats.org/markup-compatibility/2006" xmlns:mv="urn:schemas-microsoft-com:mac:vml" xmlns:p="http://schemas.openxmlformats.org/presentationml/2006/main" xmlns:c="http://schemas.openxmlformats.org/drawingml/2006/chart" xmlns:dgm="http://schemas.openxmlformats.org/drawingml/2006/diagram" xmlns:o="urn:schemas-microsoft-com:office:office" xmlns:v="urn:schemas-microsoft-com:vml" xmlns:pvml="urn:schemas-microsoft-com:office:powerpoint" xmlns:com="http://schemas.openxmlformats.org/drawingml/2006/compatibility" xmlns:p14="http://schemas.microsoft.com/office/powerpoint/2010/main" xmlns:p15="http://schemas.microsoft.com/office/powerpoint/2012/main" xmlns:ahyp="http://schemas.microsoft.com/office/drawing/2018/hyperlinkcolor" showMasterPhAnim="0" showMasterSp="0">
+  <p:cSld>
+    <p:spTree>
+      <p:nvGrpSpPr>
+        <p:cNvPr id="282" name="Shape 282"/>
+        <p:cNvGrpSpPr/>
+        <p:nvPr/>
+      </p:nvGrpSpPr>
+      <p:grpSpPr>
+        <a:xfrm>
+          <a:off x="0" y="0"/>
+          <a:ext cx="0" cy="0"/>
+          <a:chOff x="0" y="0"/>
+          <a:chExt cx="0" cy="0"/>
+        </a:xfrm>
+      </p:grpSpPr>
+      <p:sp>
+        <p:nvSpPr>
+          <p:cNvPr id="283" name="Google Shape;283;geb9aa4fe61_0_299:notes"/>
+          <p:cNvSpPr/>
+          <p:nvPr>
+            <p:ph idx="2" type="sldImg"/>
+          </p:nvPr>
+        </p:nvSpPr>
+        <p:spPr>
+          <a:xfrm>
+            <a:off x="381300" y="685800"/>
+            <a:ext cx="6096000" cy="3429000"/>
+          </a:xfrm>
+          <a:custGeom>
+            <a:rect b="b" l="l" r="r" t="t"/>
+            <a:pathLst>
+              <a:path extrusionOk="0" h="120000" w="120000">
+                <a:moveTo>
+                  <a:pt x="0" y="0"/>
+                </a:moveTo>
+                <a:lnTo>
+                  <a:pt x="120000" y="0"/>
+                </a:lnTo>
+                <a:lnTo>
+                  <a:pt x="120000" y="120000"/>
+                </a:lnTo>
+                <a:lnTo>
+                  <a:pt x="0" y="120000"/>
+                </a:lnTo>
+                <a:close/>
+              </a:path>
+            </a:pathLst>
+          </a:custGeom>
+        </p:spPr>
+      </p:sp>
+      <p:sp>
+        <p:nvSpPr>
+          <p:cNvPr id="284" name="Google Shape;284;geb9aa4fe61_0_299:notes"/>
           <p:cNvSpPr txBox="1"/>
           <p:nvPr>
             <p:ph idx="1" type="body"/>
@@ -9021,23 +9121,63 @@
           </a:effectLst>
         </p:spPr>
       </p:pic>
+      <p:sp>
+        <p:nvSpPr>
+          <p:cNvPr id="89" name="Google Shape;89;p13"/>
+          <p:cNvSpPr txBox="1"/>
+          <p:nvPr>
+            <p:ph idx="12" type="sldNum"/>
+          </p:nvPr>
+        </p:nvSpPr>
+        <p:spPr>
+          <a:xfrm>
+            <a:off x="8536302" y="4749851"/>
+            <a:ext cx="548700" cy="393600"/>
+          </a:xfrm>
+          <a:prstGeom prst="rect">
+            <a:avLst/>
+          </a:prstGeom>
+        </p:spPr>
+        <p:txBody>
+          <a:bodyPr anchorCtr="0" anchor="ctr" bIns="91425" lIns="91425" spcFirstLastPara="1" rIns="91425" wrap="square" tIns="91425">
+            <a:normAutofit/>
+          </a:bodyPr>
+          <a:lstStyle/>
+          <a:p>
+            <a:pPr indent="0" lvl="0" marL="0" rtl="0" algn="r">
+              <a:spcBef>
+                <a:spcPts val="0"/>
+              </a:spcBef>
+              <a:spcAft>
+                <a:spcPts val="0"/>
+              </a:spcAft>
+              <a:buNone/>
+            </a:pPr>
+            <a:fld id="{00000000-1234-1234-1234-123412341234}" type="slidenum">
+              <a:rPr lang="en"/>
+              <a:t>‹#›</a:t>
+            </a:fld>
+            <a:endParaRPr/>
+          </a:p>
+        </p:txBody>
+      </p:sp>
       <p:grpSp>
         <p:nvGrpSpPr>
-          <p:cNvPr id="89" name="Google Shape;89;p13"/>
+          <p:cNvPr id="90" name="Google Shape;90;p13"/>
           <p:cNvGrpSpPr/>
           <p:nvPr/>
         </p:nvGrpSpPr>
         <p:grpSpPr>
           <a:xfrm>
-            <a:off x="830350" y="2571750"/>
-            <a:ext cx="8149100" cy="2007000"/>
-            <a:chOff x="830350" y="2571750"/>
-            <a:chExt cx="8149100" cy="2007000"/>
+            <a:off x="830350" y="2820100"/>
+            <a:ext cx="8196650" cy="2266100"/>
+            <a:chOff x="830350" y="2820100"/>
+            <a:chExt cx="8196650" cy="2266100"/>
           </a:xfrm>
         </p:grpSpPr>
         <p:pic>
           <p:nvPicPr>
-            <p:cNvPr id="90" name="Google Shape;90;p13"/>
+            <p:cNvPr id="91" name="Google Shape;91;p13"/>
             <p:cNvPicPr preferRelativeResize="0"/>
             <p:nvPr/>
           </p:nvPicPr>
@@ -9051,36 +9191,8 @@
           </p:blipFill>
           <p:spPr>
             <a:xfrm>
-              <a:off x="830350" y="2571750"/>
-              <a:ext cx="2360675" cy="1304925"/>
-            </a:xfrm>
-            <a:prstGeom prst="rect">
-              <a:avLst/>
-            </a:prstGeom>
-            <a:noFill/>
-            <a:ln>
-              <a:noFill/>
-            </a:ln>
-          </p:spPr>
-        </p:pic>
-        <p:pic>
-          <p:nvPicPr>
-            <p:cNvPr id="91" name="Google Shape;91;p13"/>
-            <p:cNvPicPr preferRelativeResize="0"/>
-            <p:nvPr/>
-          </p:nvPicPr>
-          <p:blipFill>
-            <a:blip r:embed="rId5">
-              <a:alphaModFix/>
-            </a:blip>
-            <a:stretch>
-              <a:fillRect/>
-            </a:stretch>
-          </p:blipFill>
-          <p:spPr>
-            <a:xfrm>
-              <a:off x="3191025" y="2660950"/>
-              <a:ext cx="1912900" cy="1514475"/>
+              <a:off x="830350" y="3781275"/>
+              <a:ext cx="2198500" cy="1304925"/>
             </a:xfrm>
             <a:prstGeom prst="rect">
               <a:avLst/>
@@ -9098,7 +9210,7 @@
             <p:nvPr/>
           </p:nvPicPr>
           <p:blipFill>
-            <a:blip r:embed="rId6">
+            <a:blip r:embed="rId5">
               <a:alphaModFix/>
             </a:blip>
             <a:stretch>
@@ -9107,8 +9219,8 @@
           </p:blipFill>
           <p:spPr>
             <a:xfrm>
-              <a:off x="5103925" y="2826525"/>
-              <a:ext cx="1912900" cy="1578000"/>
+              <a:off x="3028850" y="3491275"/>
+              <a:ext cx="2008850" cy="1404475"/>
             </a:xfrm>
             <a:prstGeom prst="rect">
               <a:avLst/>
@@ -9126,6 +9238,34 @@
             <p:nvPr/>
           </p:nvPicPr>
           <p:blipFill>
+            <a:blip r:embed="rId6">
+              <a:alphaModFix/>
+            </a:blip>
+            <a:stretch>
+              <a:fillRect/>
+            </a:stretch>
+          </p:blipFill>
+          <p:spPr>
+            <a:xfrm>
+              <a:off x="5037700" y="3107625"/>
+              <a:ext cx="1920525" cy="1545300"/>
+            </a:xfrm>
+            <a:prstGeom prst="rect">
+              <a:avLst/>
+            </a:prstGeom>
+            <a:noFill/>
+            <a:ln>
+              <a:noFill/>
+            </a:ln>
+          </p:spPr>
+        </p:pic>
+        <p:pic>
+          <p:nvPicPr>
+            <p:cNvPr id="94" name="Google Shape;94;p13"/>
+            <p:cNvPicPr preferRelativeResize="0"/>
+            <p:nvPr/>
+          </p:nvPicPr>
+          <p:blipFill>
             <a:blip r:embed="rId7">
               <a:alphaModFix/>
             </a:blip>
@@ -9135,8 +9275,8 @@
           </p:blipFill>
           <p:spPr>
             <a:xfrm>
-              <a:off x="7016825" y="3026175"/>
-              <a:ext cx="1962625" cy="1552575"/>
+              <a:off x="6958225" y="2820100"/>
+              <a:ext cx="2068775" cy="1552575"/>
             </a:xfrm>
             <a:prstGeom prst="rect">
               <a:avLst/>
@@ -9148,46 +9288,6 @@
           </p:spPr>
         </p:pic>
       </p:grpSp>
-      <p:sp>
-        <p:nvSpPr>
-          <p:cNvPr id="94" name="Google Shape;94;p13"/>
-          <p:cNvSpPr txBox="1"/>
-          <p:nvPr>
-            <p:ph idx="12" type="sldNum"/>
-          </p:nvPr>
-        </p:nvSpPr>
-        <p:spPr>
-          <a:xfrm>
-            <a:off x="8536302" y="4749851"/>
-            <a:ext cx="548700" cy="393600"/>
-          </a:xfrm>
-          <a:prstGeom prst="rect">
-            <a:avLst/>
-          </a:prstGeom>
-        </p:spPr>
-        <p:txBody>
-          <a:bodyPr anchorCtr="0" anchor="ctr" bIns="91425" lIns="91425" spcFirstLastPara="1" rIns="91425" wrap="square" tIns="91425">
-            <a:normAutofit/>
-          </a:bodyPr>
-          <a:lstStyle/>
-          <a:p>
-            <a:pPr indent="0" lvl="0" marL="0" rtl="0" algn="r">
-              <a:spcBef>
-                <a:spcPts val="0"/>
-              </a:spcBef>
-              <a:spcAft>
-                <a:spcPts val="0"/>
-              </a:spcAft>
-              <a:buNone/>
-            </a:pPr>
-            <a:fld id="{00000000-1234-1234-1234-123412341234}" type="slidenum">
-              <a:rPr lang="en"/>
-              <a:t>‹#›</a:t>
-            </a:fld>
-            <a:endParaRPr/>
-          </a:p>
-        </p:txBody>
-      </p:sp>
     </p:spTree>
   </p:cSld>
   <p:clrMapOvr>
@@ -9295,7 +9395,7 @@
                                           </p:stCondLst>
                                         </p:cTn>
                                         <p:tgtEl>
-                                          <p:spTgt spid="89"/>
+                                          <p:spTgt spid="90"/>
                                         </p:tgtEl>
                                         <p:attrNameLst>
                                           <p:attrName>style.visibility</p:attrName>
@@ -9309,7 +9409,7 @@
                                       <p:cBhvr additive="base">
                                         <p:cTn dur="1000"/>
                                         <p:tgtEl>
-                                          <p:spTgt spid="89"/>
+                                          <p:spTgt spid="90"/>
                                         </p:tgtEl>
                                         <p:attrNameLst>
                                           <p:attrName>ppt_x</p:attrName>
@@ -11337,8 +11437,8 @@
         </p:nvSpPr>
         <p:spPr>
           <a:xfrm>
-            <a:off x="729450" y="2078875"/>
-            <a:ext cx="7688700" cy="2986200"/>
+            <a:off x="729450" y="1783125"/>
+            <a:ext cx="7688700" cy="3282000"/>
           </a:xfrm>
           <a:prstGeom prst="rect">
             <a:avLst/>
@@ -11374,8 +11474,8 @@
         </p:nvGrpSpPr>
         <p:grpSpPr>
           <a:xfrm>
-            <a:off x="729415" y="1931237"/>
-            <a:ext cx="7982408" cy="3134017"/>
+            <a:off x="834276" y="1810617"/>
+            <a:ext cx="7982408" cy="3217332"/>
             <a:chOff x="729450" y="2078875"/>
             <a:chExt cx="7688700" cy="2986200"/>
           </a:xfrm>
@@ -11789,7 +11889,7 @@
             </a:pPr>
             <a:r>
               <a:rPr lang="en"/>
-              <a:t>References</a:t>
+              <a:t>Conclusion</a:t>
             </a:r>
             <a:endParaRPr/>
           </a:p>
@@ -11805,8 +11905,8 @@
         </p:nvSpPr>
         <p:spPr>
           <a:xfrm>
-            <a:off x="729450" y="1853850"/>
-            <a:ext cx="7688700" cy="3228000"/>
+            <a:off x="729450" y="2078875"/>
+            <a:ext cx="7688700" cy="2861100"/>
           </a:xfrm>
           <a:prstGeom prst="rect">
             <a:avLst/>
@@ -11814,206 +11914,125 @@
         </p:spPr>
         <p:txBody>
           <a:bodyPr anchorCtr="0" anchor="t" bIns="91425" lIns="91425" spcFirstLastPara="1" rIns="91425" wrap="square" tIns="91425">
-            <a:normAutofit fontScale="92500" lnSpcReduction="20000"/>
+            <a:normAutofit/>
           </a:bodyPr>
           <a:lstStyle/>
           <a:p>
-            <a:pPr indent="0" lvl="0" marL="0" rtl="0" algn="l">
-              <a:spcBef>
-                <a:spcPts val="0"/>
-              </a:spcBef>
-              <a:spcAft>
-                <a:spcPts val="0"/>
-              </a:spcAft>
-              <a:buNone/>
+            <a:pPr indent="-311150" lvl="0" marL="457200" rtl="0" algn="l">
+              <a:spcBef>
+                <a:spcPts val="0"/>
+              </a:spcBef>
+              <a:spcAft>
+                <a:spcPts val="0"/>
+              </a:spcAft>
+              <a:buSzPts val="1300"/>
+              <a:buAutoNum type="arabicParenR"/>
             </a:pPr>
             <a:r>
-              <a:rPr lang="en" sz="1508"/>
-              <a:t>Ford Logo Image:</a:t>
+              <a:rPr lang="en"/>
+              <a:t>Trained Machine Learning Models.</a:t>
             </a:r>
             <a:br>
               <a:rPr lang="en"/>
             </a:br>
-            <a:r>
-              <a:rPr lang="en" sz="500" u="sng">
-                <a:solidFill>
-                  <a:schemeClr val="hlink"/>
-                </a:solidFill>
-                <a:hlinkClick r:id="rId3"/>
-              </a:rPr>
-              <a:t>https://www.google.com/imgres?imgurl=https%3A%2F%2Fupload.wikimedia.org%2Fwikipedia%2Fcommons%2Fthumb%2F3%2F3e%2FFord_logo_flat.svg%2F2560px-Ford_logo_flat.svg.png&amp;imgrefurl=https%3A%2F%2Fcommons.wikimedia.org%2Fwiki%2FFile%3AFord_logo_flat.svg&amp;tbnid=a4IfkSo3p4X4oM&amp;vet=12ahUKEwi74_HU1vDyAhVF0KwKHT5yCssQMygAegUIARDbAQ..i&amp;docid=LCqrtGHbahGNVM&amp;w=2560&amp;h=982&amp;q=ford%20logo&amp;client=safari&amp;ved=2ahUKEwi74_HU1vDyAhVF0KwKHT5yCssQMygAegUIARDbAQ</a:t>
-            </a:r>
-            <a:endParaRPr sz="500"/>
+            <a:endParaRPr/>
           </a:p>
           <a:p>
-            <a:pPr indent="0" lvl="0" marL="0" rtl="0" algn="l">
-              <a:spcBef>
-                <a:spcPts val="1200"/>
-              </a:spcBef>
-              <a:spcAft>
-                <a:spcPts val="0"/>
-              </a:spcAft>
-              <a:buNone/>
+            <a:pPr indent="-311150" lvl="0" marL="457200" rtl="0" algn="l">
+              <a:spcBef>
+                <a:spcPts val="0"/>
+              </a:spcBef>
+              <a:spcAft>
+                <a:spcPts val="0"/>
+              </a:spcAft>
+              <a:buSzPts val="1300"/>
+              <a:buAutoNum type="arabicParenR"/>
             </a:pPr>
             <a:r>
-              <a:rPr lang="en" sz="1408"/>
-              <a:t>Iris Dataset Image:</a:t>
-            </a:r>
-            <a:br>
-              <a:rPr lang="en" sz="1408"/>
-            </a:br>
-            <a:r>
-              <a:rPr lang="en" sz="500" u="sng">
-                <a:solidFill>
-                  <a:schemeClr val="hlink"/>
-                </a:solidFill>
-                <a:hlinkClick r:id="rId4"/>
-              </a:rPr>
-              <a:t>https://www.google.com/imgres?imgurl=https%3A%2F%2Fs3.amazonaws.com%2Fassets.datacamp.com%2Fblog_assets%2FMachine%2BLearning%2BR%2Firis-machinelearning.png&amp;imgrefurl=http%3A%2F%2Fwww.lac.inpe.br%2F~rafael.santos%2FDocs%2FCAP394%2FWholeStory-Iris.html&amp;tbnid=P-PGjABuYKeYpM&amp;vet=12ahUKEwiF87P01vDyAhVCTqwKHdEJAWwQMygBegUIARDFAQ..i&amp;docid=DWcNzEt0Tz4F4M&amp;w=1275&amp;h=477&amp;q=iris%20dataset&amp;client=safari&amp;ved=2ahUKEwiF87P01vDyAhVCTqwKHdEJAWwQMygBegUIARDFAQ</a:t>
-            </a:r>
-            <a:endParaRPr sz="500"/>
-          </a:p>
-          <a:p>
-            <a:pPr indent="0" lvl="0" marL="0" rtl="0" algn="l">
-              <a:spcBef>
-                <a:spcPts val="1200"/>
-              </a:spcBef>
-              <a:spcAft>
-                <a:spcPts val="0"/>
-              </a:spcAft>
-              <a:buNone/>
-            </a:pPr>
-            <a:r>
-              <a:rPr lang="en" sz="1408"/>
-              <a:t>Python Requests Library:</a:t>
+              <a:rPr lang="en"/>
+              <a:t>Created a Flask App.</a:t>
             </a:r>
             <a:br>
               <a:rPr lang="en"/>
             </a:br>
-            <a:r>
-              <a:rPr lang="en" sz="500" u="sng">
-                <a:solidFill>
-                  <a:schemeClr val="hlink"/>
-                </a:solidFill>
-                <a:hlinkClick r:id="rId5"/>
-              </a:rPr>
-              <a:t>https://docs.python-requests.org/en/master/user/quickstart/</a:t>
-            </a:r>
-            <a:endParaRPr sz="500"/>
+            <a:endParaRPr/>
           </a:p>
           <a:p>
-            <a:pPr indent="0" lvl="0" marL="0" rtl="0" algn="l">
-              <a:spcBef>
-                <a:spcPts val="1200"/>
-              </a:spcBef>
-              <a:spcAft>
-                <a:spcPts val="0"/>
-              </a:spcAft>
-              <a:buNone/>
+            <a:pPr indent="-311150" lvl="0" marL="457200" rtl="0" algn="l">
+              <a:spcBef>
+                <a:spcPts val="0"/>
+              </a:spcBef>
+              <a:spcAft>
+                <a:spcPts val="0"/>
+              </a:spcAft>
+              <a:buSzPts val="1300"/>
+              <a:buAutoNum type="arabicParenR"/>
             </a:pPr>
             <a:r>
-              <a:rPr lang="en" sz="1408"/>
-              <a:t>Google SDK Download:</a:t>
-            </a:r>
-            <a:br>
-              <a:rPr lang="en" sz="1408"/>
-            </a:br>
-            <a:r>
-              <a:rPr lang="en" sz="500" u="sng">
-                <a:solidFill>
-                  <a:schemeClr val="hlink"/>
-                </a:solidFill>
-                <a:hlinkClick r:id="rId6"/>
-              </a:rPr>
-              <a:t>https://cloud.google.com/sdk/docs/install</a:t>
-            </a:r>
-            <a:endParaRPr sz="500"/>
-          </a:p>
-          <a:p>
-            <a:pPr indent="0" lvl="0" marL="0" rtl="0" algn="l">
-              <a:spcBef>
-                <a:spcPts val="1200"/>
-              </a:spcBef>
-              <a:spcAft>
-                <a:spcPts val="0"/>
-              </a:spcAft>
-              <a:buNone/>
-            </a:pPr>
-            <a:r>
-              <a:rPr lang="en" sz="1408"/>
-              <a:t>Docker File:</a:t>
-            </a:r>
-            <a:br>
-              <a:rPr lang="en" sz="1408"/>
-            </a:br>
-            <a:r>
-              <a:rPr lang="en" sz="500" u="sng">
-                <a:solidFill>
-                  <a:schemeClr val="hlink"/>
-                </a:solidFill>
-                <a:hlinkClick r:id="rId7"/>
-              </a:rPr>
-              <a:t>https://cloud.google.com/run/docs/quickstarts/build-and-deploy/python</a:t>
-            </a:r>
-            <a:endParaRPr sz="500"/>
-          </a:p>
-          <a:p>
-            <a:pPr indent="0" lvl="0" marL="0" rtl="0" algn="l">
-              <a:spcBef>
-                <a:spcPts val="1200"/>
-              </a:spcBef>
-              <a:spcAft>
-                <a:spcPts val="0"/>
-              </a:spcAft>
-              <a:buNone/>
-            </a:pPr>
-            <a:r>
-              <a:rPr lang="en" sz="1408"/>
-              <a:t>Docker Deployment:</a:t>
+              <a:rPr lang="en"/>
+              <a:t>Tested the Flask App.</a:t>
             </a:r>
             <a:br>
               <a:rPr lang="en"/>
             </a:br>
-            <a:r>
-              <a:rPr lang="en" sz="500" u="sng">
-                <a:solidFill>
-                  <a:schemeClr val="hlink"/>
-                </a:solidFill>
-                <a:hlinkClick r:id="rId8"/>
-              </a:rPr>
-              <a:t>https://codelabs.developers.google.com/codelabs/cloud-run-deploy#0</a:t>
-            </a:r>
-            <a:endParaRPr sz="500"/>
+            <a:endParaRPr/>
           </a:p>
           <a:p>
-            <a:pPr indent="0" lvl="0" marL="0" rtl="0" algn="l">
-              <a:spcBef>
-                <a:spcPts val="1200"/>
-              </a:spcBef>
-              <a:spcAft>
-                <a:spcPts val="0"/>
-              </a:spcAft>
-              <a:buNone/>
+            <a:pPr indent="-311150" lvl="0" marL="457200" rtl="0" algn="l">
+              <a:spcBef>
+                <a:spcPts val="0"/>
+              </a:spcBef>
+              <a:spcAft>
+                <a:spcPts val="0"/>
+              </a:spcAft>
+              <a:buSzPts val="1300"/>
+              <a:buAutoNum type="arabicParenR"/>
             </a:pPr>
             <a:r>
-              <a:t/>
-            </a:r>
-            <a:endParaRPr sz="500"/>
+              <a:rPr lang="en"/>
+              <a:t>Created a Docker Image.</a:t>
+            </a:r>
+            <a:br>
+              <a:rPr lang="en"/>
+            </a:br>
+            <a:endParaRPr/>
           </a:p>
           <a:p>
-            <a:pPr indent="0" lvl="0" marL="0" rtl="0" algn="l">
-              <a:spcBef>
-                <a:spcPts val="1200"/>
-              </a:spcBef>
-              <a:spcAft>
-                <a:spcPts val="1200"/>
-              </a:spcAft>
-              <a:buNone/>
+            <a:pPr indent="-311150" lvl="0" marL="457200" rtl="0" algn="l">
+              <a:spcBef>
+                <a:spcPts val="0"/>
+              </a:spcBef>
+              <a:spcAft>
+                <a:spcPts val="0"/>
+              </a:spcAft>
+              <a:buSzPts val="1300"/>
+              <a:buAutoNum type="arabicParenR"/>
             </a:pPr>
             <a:r>
-              <a:t/>
-            </a:r>
-            <a:endParaRPr sz="500"/>
+              <a:rPr lang="en"/>
+              <a:t>Deployed the Image on GCP.</a:t>
+            </a:r>
+            <a:br>
+              <a:rPr lang="en"/>
+            </a:br>
+            <a:endParaRPr/>
+          </a:p>
+          <a:p>
+            <a:pPr indent="-311150" lvl="0" marL="457200" rtl="0" algn="l">
+              <a:spcBef>
+                <a:spcPts val="0"/>
+              </a:spcBef>
+              <a:spcAft>
+                <a:spcPts val="0"/>
+              </a:spcAft>
+              <a:buSzPts val="1300"/>
+              <a:buAutoNum type="arabicParenR"/>
+            </a:pPr>
+            <a:r>
+              <a:rPr lang="en"/>
+              <a:t>Tested the GCP Api.</a:t>
+            </a:r>
+            <a:endParaRPr/>
           </a:p>
         </p:txBody>
       </p:sp>
@@ -12115,7 +12134,8 @@
               <a:buNone/>
             </a:pPr>
             <a:r>
-              <a:t/>
+              <a:rPr lang="en"/>
+              <a:t>References</a:t>
             </a:r>
             <a:endParaRPr/>
           </a:p>
@@ -12131,8 +12151,8 @@
         </p:nvSpPr>
         <p:spPr>
           <a:xfrm>
-            <a:off x="729450" y="2720200"/>
-            <a:ext cx="7688700" cy="1619700"/>
+            <a:off x="729450" y="1853850"/>
+            <a:ext cx="7688700" cy="3228000"/>
           </a:xfrm>
           <a:prstGeom prst="rect">
             <a:avLst/>
@@ -12140,24 +12160,206 @@
         </p:spPr>
         <p:txBody>
           <a:bodyPr anchorCtr="0" anchor="t" bIns="91425" lIns="91425" spcFirstLastPara="1" rIns="91425" wrap="square" tIns="91425">
-            <a:normAutofit/>
+            <a:normAutofit fontScale="92500" lnSpcReduction="20000"/>
           </a:bodyPr>
           <a:lstStyle/>
           <a:p>
-            <a:pPr indent="0" lvl="0" marL="0" rtl="0" algn="ctr">
-              <a:spcBef>
-                <a:spcPts val="0"/>
-              </a:spcBef>
-              <a:spcAft>
+            <a:pPr indent="0" lvl="0" marL="0" rtl="0" algn="l">
+              <a:spcBef>
+                <a:spcPts val="0"/>
+              </a:spcBef>
+              <a:spcAft>
+                <a:spcPts val="0"/>
+              </a:spcAft>
+              <a:buNone/>
+            </a:pPr>
+            <a:r>
+              <a:rPr lang="en" sz="1508"/>
+              <a:t>Ford Logo Image:</a:t>
+            </a:r>
+            <a:br>
+              <a:rPr lang="en"/>
+            </a:br>
+            <a:r>
+              <a:rPr lang="en" sz="500" u="sng">
+                <a:solidFill>
+                  <a:schemeClr val="hlink"/>
+                </a:solidFill>
+                <a:hlinkClick r:id="rId3"/>
+              </a:rPr>
+              <a:t>https://www.google.com/imgres?imgurl=https%3A%2F%2Fupload.wikimedia.org%2Fwikipedia%2Fcommons%2Fthumb%2F3%2F3e%2FFord_logo_flat.svg%2F2560px-Ford_logo_flat.svg.png&amp;imgrefurl=https%3A%2F%2Fcommons.wikimedia.org%2Fwiki%2FFile%3AFord_logo_flat.svg&amp;tbnid=a4IfkSo3p4X4oM&amp;vet=12ahUKEwi74_HU1vDyAhVF0KwKHT5yCssQMygAegUIARDbAQ..i&amp;docid=LCqrtGHbahGNVM&amp;w=2560&amp;h=982&amp;q=ford%20logo&amp;client=safari&amp;ved=2ahUKEwi74_HU1vDyAhVF0KwKHT5yCssQMygAegUIARDbAQ</a:t>
+            </a:r>
+            <a:endParaRPr sz="500"/>
+          </a:p>
+          <a:p>
+            <a:pPr indent="0" lvl="0" marL="0" rtl="0" algn="l">
+              <a:spcBef>
                 <a:spcPts val="1200"/>
+              </a:spcBef>
+              <a:spcAft>
+                <a:spcPts val="0"/>
               </a:spcAft>
               <a:buNone/>
             </a:pPr>
             <a:r>
-              <a:rPr b="1" lang="en" sz="4000"/>
-              <a:t>THANK YOU</a:t>
-            </a:r>
-            <a:endParaRPr b="1" sz="4000"/>
+              <a:rPr lang="en" sz="1408"/>
+              <a:t>Iris Dataset Image:</a:t>
+            </a:r>
+            <a:br>
+              <a:rPr lang="en" sz="1408"/>
+            </a:br>
+            <a:r>
+              <a:rPr lang="en" sz="500" u="sng">
+                <a:solidFill>
+                  <a:schemeClr val="hlink"/>
+                </a:solidFill>
+                <a:hlinkClick r:id="rId4"/>
+              </a:rPr>
+              <a:t>https://www.google.com/imgres?imgurl=https%3A%2F%2Fs3.amazonaws.com%2Fassets.datacamp.com%2Fblog_assets%2FMachine%2BLearning%2BR%2Firis-machinelearning.png&amp;imgrefurl=http%3A%2F%2Fwww.lac.inpe.br%2F~rafael.santos%2FDocs%2FCAP394%2FWholeStory-Iris.html&amp;tbnid=P-PGjABuYKeYpM&amp;vet=12ahUKEwiF87P01vDyAhVCTqwKHdEJAWwQMygBegUIARDFAQ..i&amp;docid=DWcNzEt0Tz4F4M&amp;w=1275&amp;h=477&amp;q=iris%20dataset&amp;client=safari&amp;ved=2ahUKEwiF87P01vDyAhVCTqwKHdEJAWwQMygBegUIARDFAQ</a:t>
+            </a:r>
+            <a:endParaRPr sz="500"/>
+          </a:p>
+          <a:p>
+            <a:pPr indent="0" lvl="0" marL="0" rtl="0" algn="l">
+              <a:spcBef>
+                <a:spcPts val="1200"/>
+              </a:spcBef>
+              <a:spcAft>
+                <a:spcPts val="0"/>
+              </a:spcAft>
+              <a:buNone/>
+            </a:pPr>
+            <a:r>
+              <a:rPr lang="en" sz="1408"/>
+              <a:t>Python Requests Library:</a:t>
+            </a:r>
+            <a:br>
+              <a:rPr lang="en"/>
+            </a:br>
+            <a:r>
+              <a:rPr lang="en" sz="500" u="sng">
+                <a:solidFill>
+                  <a:schemeClr val="hlink"/>
+                </a:solidFill>
+                <a:hlinkClick r:id="rId5"/>
+              </a:rPr>
+              <a:t>https://docs.python-requests.org/en/master/user/quickstart/</a:t>
+            </a:r>
+            <a:endParaRPr sz="500"/>
+          </a:p>
+          <a:p>
+            <a:pPr indent="0" lvl="0" marL="0" rtl="0" algn="l">
+              <a:spcBef>
+                <a:spcPts val="1200"/>
+              </a:spcBef>
+              <a:spcAft>
+                <a:spcPts val="0"/>
+              </a:spcAft>
+              <a:buNone/>
+            </a:pPr>
+            <a:r>
+              <a:rPr lang="en" sz="1408"/>
+              <a:t>Google SDK Download:</a:t>
+            </a:r>
+            <a:br>
+              <a:rPr lang="en" sz="1408"/>
+            </a:br>
+            <a:r>
+              <a:rPr lang="en" sz="500" u="sng">
+                <a:solidFill>
+                  <a:schemeClr val="hlink"/>
+                </a:solidFill>
+                <a:hlinkClick r:id="rId6"/>
+              </a:rPr>
+              <a:t>https://cloud.google.com/sdk/docs/install</a:t>
+            </a:r>
+            <a:endParaRPr sz="500"/>
+          </a:p>
+          <a:p>
+            <a:pPr indent="0" lvl="0" marL="0" rtl="0" algn="l">
+              <a:spcBef>
+                <a:spcPts val="1200"/>
+              </a:spcBef>
+              <a:spcAft>
+                <a:spcPts val="0"/>
+              </a:spcAft>
+              <a:buNone/>
+            </a:pPr>
+            <a:r>
+              <a:rPr lang="en" sz="1408"/>
+              <a:t>Docker File:</a:t>
+            </a:r>
+            <a:br>
+              <a:rPr lang="en" sz="1408"/>
+            </a:br>
+            <a:r>
+              <a:rPr lang="en" sz="500" u="sng">
+                <a:solidFill>
+                  <a:schemeClr val="hlink"/>
+                </a:solidFill>
+                <a:hlinkClick r:id="rId7"/>
+              </a:rPr>
+              <a:t>https://cloud.google.com/run/docs/quickstarts/build-and-deploy/python</a:t>
+            </a:r>
+            <a:endParaRPr sz="500"/>
+          </a:p>
+          <a:p>
+            <a:pPr indent="0" lvl="0" marL="0" rtl="0" algn="l">
+              <a:spcBef>
+                <a:spcPts val="1200"/>
+              </a:spcBef>
+              <a:spcAft>
+                <a:spcPts val="0"/>
+              </a:spcAft>
+              <a:buNone/>
+            </a:pPr>
+            <a:r>
+              <a:rPr lang="en" sz="1408"/>
+              <a:t>Docker Deployment:</a:t>
+            </a:r>
+            <a:br>
+              <a:rPr lang="en"/>
+            </a:br>
+            <a:r>
+              <a:rPr lang="en" sz="500" u="sng">
+                <a:solidFill>
+                  <a:schemeClr val="hlink"/>
+                </a:solidFill>
+                <a:hlinkClick r:id="rId8"/>
+              </a:rPr>
+              <a:t>https://codelabs.developers.google.com/codelabs/cloud-run-deploy#0</a:t>
+            </a:r>
+            <a:endParaRPr sz="500"/>
+          </a:p>
+          <a:p>
+            <a:pPr indent="0" lvl="0" marL="0" rtl="0" algn="l">
+              <a:spcBef>
+                <a:spcPts val="1200"/>
+              </a:spcBef>
+              <a:spcAft>
+                <a:spcPts val="0"/>
+              </a:spcAft>
+              <a:buNone/>
+            </a:pPr>
+            <a:r>
+              <a:t/>
+            </a:r>
+            <a:endParaRPr sz="500"/>
+          </a:p>
+          <a:p>
+            <a:pPr indent="0" lvl="0" marL="0" rtl="0" algn="l">
+              <a:spcBef>
+                <a:spcPts val="1200"/>
+              </a:spcBef>
+              <a:spcAft>
+                <a:spcPts val="1200"/>
+              </a:spcAft>
+              <a:buNone/>
+            </a:pPr>
+            <a:r>
+              <a:t/>
+            </a:r>
+            <a:endParaRPr sz="500"/>
           </a:p>
         </p:txBody>
       </p:sp>
@@ -12398,6 +12600,150 @@
 </p:sld>
 </file>
 
+<file path=ppt/slides/slide20.xml><?xml version="1.0" encoding="utf-8"?>
+<p:sld xmlns:a="http://schemas.openxmlformats.org/drawingml/2006/main" xmlns:r="http://schemas.openxmlformats.org/officeDocument/2006/relationships" xmlns:mc="http://schemas.openxmlformats.org/markup-compatibility/2006" xmlns:mv="urn:schemas-microsoft-com:mac:vml" xmlns:p="http://schemas.openxmlformats.org/presentationml/2006/main" xmlns:c="http://schemas.openxmlformats.org/drawingml/2006/chart" xmlns:dgm="http://schemas.openxmlformats.org/drawingml/2006/diagram" xmlns:o="urn:schemas-microsoft-com:office:office" xmlns:v="urn:schemas-microsoft-com:vml" xmlns:pvml="urn:schemas-microsoft-com:office:powerpoint" xmlns:com="http://schemas.openxmlformats.org/drawingml/2006/compatibility" xmlns:p14="http://schemas.microsoft.com/office/powerpoint/2010/main" xmlns:p15="http://schemas.microsoft.com/office/powerpoint/2012/main" xmlns:ahyp="http://schemas.microsoft.com/office/drawing/2018/hyperlinkcolor">
+  <p:cSld>
+    <p:spTree>
+      <p:nvGrpSpPr>
+        <p:cNvPr id="285" name="Shape 285"/>
+        <p:cNvGrpSpPr/>
+        <p:nvPr/>
+      </p:nvGrpSpPr>
+      <p:grpSpPr>
+        <a:xfrm>
+          <a:off x="0" y="0"/>
+          <a:ext cx="0" cy="0"/>
+          <a:chOff x="0" y="0"/>
+          <a:chExt cx="0" cy="0"/>
+        </a:xfrm>
+      </p:grpSpPr>
+      <p:sp>
+        <p:nvSpPr>
+          <p:cNvPr id="286" name="Google Shape;286;p32"/>
+          <p:cNvSpPr txBox="1"/>
+          <p:nvPr>
+            <p:ph type="title"/>
+          </p:nvPr>
+        </p:nvSpPr>
+        <p:spPr>
+          <a:xfrm>
+            <a:off x="729450" y="1318650"/>
+            <a:ext cx="7688700" cy="535200"/>
+          </a:xfrm>
+          <a:prstGeom prst="rect">
+            <a:avLst/>
+          </a:prstGeom>
+        </p:spPr>
+        <p:txBody>
+          <a:bodyPr anchorCtr="0" anchor="t" bIns="91425" lIns="91425" spcFirstLastPara="1" rIns="91425" wrap="square" tIns="91425">
+            <a:normAutofit fontScale="90000"/>
+          </a:bodyPr>
+          <a:lstStyle/>
+          <a:p>
+            <a:pPr indent="0" lvl="0" marL="0" rtl="0" algn="l">
+              <a:spcBef>
+                <a:spcPts val="0"/>
+              </a:spcBef>
+              <a:spcAft>
+                <a:spcPts val="0"/>
+              </a:spcAft>
+              <a:buNone/>
+            </a:pPr>
+            <a:r>
+              <a:t/>
+            </a:r>
+            <a:endParaRPr/>
+          </a:p>
+        </p:txBody>
+      </p:sp>
+      <p:sp>
+        <p:nvSpPr>
+          <p:cNvPr id="287" name="Google Shape;287;p32"/>
+          <p:cNvSpPr txBox="1"/>
+          <p:nvPr>
+            <p:ph idx="1" type="body"/>
+          </p:nvPr>
+        </p:nvSpPr>
+        <p:spPr>
+          <a:xfrm>
+            <a:off x="729450" y="2720200"/>
+            <a:ext cx="7688700" cy="1619700"/>
+          </a:xfrm>
+          <a:prstGeom prst="rect">
+            <a:avLst/>
+          </a:prstGeom>
+        </p:spPr>
+        <p:txBody>
+          <a:bodyPr anchorCtr="0" anchor="t" bIns="91425" lIns="91425" spcFirstLastPara="1" rIns="91425" wrap="square" tIns="91425">
+            <a:normAutofit/>
+          </a:bodyPr>
+          <a:lstStyle/>
+          <a:p>
+            <a:pPr indent="0" lvl="0" marL="0" rtl="0" algn="ctr">
+              <a:spcBef>
+                <a:spcPts val="0"/>
+              </a:spcBef>
+              <a:spcAft>
+                <a:spcPts val="1200"/>
+              </a:spcAft>
+              <a:buNone/>
+            </a:pPr>
+            <a:r>
+              <a:rPr b="1" lang="en" sz="4000"/>
+              <a:t>THANK YOU</a:t>
+            </a:r>
+            <a:endParaRPr b="1" sz="4000"/>
+          </a:p>
+        </p:txBody>
+      </p:sp>
+      <p:sp>
+        <p:nvSpPr>
+          <p:cNvPr id="288" name="Google Shape;288;p32"/>
+          <p:cNvSpPr txBox="1"/>
+          <p:nvPr>
+            <p:ph idx="12" type="sldNum"/>
+          </p:nvPr>
+        </p:nvSpPr>
+        <p:spPr>
+          <a:xfrm>
+            <a:off x="8536302" y="4749851"/>
+            <a:ext cx="548700" cy="393600"/>
+          </a:xfrm>
+          <a:prstGeom prst="rect">
+            <a:avLst/>
+          </a:prstGeom>
+        </p:spPr>
+        <p:txBody>
+          <a:bodyPr anchorCtr="0" anchor="ctr" bIns="91425" lIns="91425" spcFirstLastPara="1" rIns="91425" wrap="square" tIns="91425">
+            <a:normAutofit/>
+          </a:bodyPr>
+          <a:lstStyle/>
+          <a:p>
+            <a:pPr indent="0" lvl="0" marL="0" rtl="0" algn="r">
+              <a:spcBef>
+                <a:spcPts val="0"/>
+              </a:spcBef>
+              <a:spcAft>
+                <a:spcPts val="0"/>
+              </a:spcAft>
+              <a:buNone/>
+            </a:pPr>
+            <a:fld id="{00000000-1234-1234-1234-123412341234}" type="slidenum">
+              <a:rPr lang="en"/>
+              <a:t>‹#›</a:t>
+            </a:fld>
+            <a:endParaRPr/>
+          </a:p>
+        </p:txBody>
+      </p:sp>
+    </p:spTree>
+  </p:cSld>
+  <p:clrMapOvr>
+    <a:masterClrMapping/>
+  </p:clrMapOvr>
+</p:sld>
+</file>
+
 <file path=ppt/slides/slide3.xml><?xml version="1.0" encoding="utf-8"?>
 <p:sld xmlns:a="http://schemas.openxmlformats.org/drawingml/2006/main" xmlns:r="http://schemas.openxmlformats.org/officeDocument/2006/relationships" xmlns:mc="http://schemas.openxmlformats.org/markup-compatibility/2006" xmlns:mv="urn:schemas-microsoft-com:mac:vml" xmlns:p="http://schemas.openxmlformats.org/presentationml/2006/main" xmlns:c="http://schemas.openxmlformats.org/drawingml/2006/chart" xmlns:dgm="http://schemas.openxmlformats.org/drawingml/2006/diagram" xmlns:o="urn:schemas-microsoft-com:office:office" xmlns:v="urn:schemas-microsoft-com:vml" xmlns:pvml="urn:schemas-microsoft-com:office:powerpoint" xmlns:com="http://schemas.openxmlformats.org/drawingml/2006/compatibility" xmlns:p14="http://schemas.microsoft.com/office/powerpoint/2010/main" xmlns:p15="http://schemas.microsoft.com/office/powerpoint/2012/main" xmlns:ahyp="http://schemas.microsoft.com/office/drawing/2018/hyperlinkcolor">
   <p:cSld>
@@ -12897,6 +13243,40 @@
             <a:r>
               <a:rPr lang="en"/>
               <a:t>Testing GCP Api</a:t>
+            </a:r>
+            <a:endParaRPr/>
+          </a:p>
+          <a:p>
+            <a:pPr indent="-311150" lvl="0" marL="457200" rtl="0" algn="l">
+              <a:spcBef>
+                <a:spcPts val="0"/>
+              </a:spcBef>
+              <a:spcAft>
+                <a:spcPts val="0"/>
+              </a:spcAft>
+              <a:buSzPts val="1300"/>
+              <a:buAutoNum type="arabicParenR"/>
+            </a:pPr>
+            <a:r>
+              <a:rPr lang="en"/>
+              <a:t>Conclusion</a:t>
+            </a:r>
+            <a:endParaRPr/>
+          </a:p>
+          <a:p>
+            <a:pPr indent="-311150" lvl="0" marL="457200" rtl="0" algn="l">
+              <a:spcBef>
+                <a:spcPts val="0"/>
+              </a:spcBef>
+              <a:spcAft>
+                <a:spcPts val="0"/>
+              </a:spcAft>
+              <a:buSzPts val="1300"/>
+              <a:buAutoNum type="arabicParenR"/>
+            </a:pPr>
+            <a:r>
+              <a:rPr lang="en"/>
+              <a:t>References</a:t>
             </a:r>
             <a:endParaRPr/>
           </a:p>
